--- a/slides/CS-E4740_DataPoisoning.pptx
+++ b/slides/CS-E4740_DataPoisoning.pptx
@@ -133,6 +133,155 @@
 </p:presentation>
 </file>
 
+<file path=ppt/ink/ink1.xml><?xml version="1.0" encoding="utf-8"?>
+<inkml:ink xmlns:inkml="http://www.w3.org/2003/InkML">
+  <inkml:definitions>
+    <inkml:context xml:id="ctx0">
+      <inkml:inkSource xml:id="inkSrc0">
+        <inkml:traceFormat>
+          <inkml:channel name="X" type="integer" min="-2.14748E9" max="2.14748E9" units="cm"/>
+          <inkml:channel name="Y" type="integer" min="-2.14748E9" max="2.14748E9" units="cm"/>
+          <inkml:channel name="F" type="integer" max="32767" units="dev"/>
+        </inkml:traceFormat>
+        <inkml:channelProperties>
+          <inkml:channelProperty channel="X" name="resolution" value="1000" units="1/cm"/>
+          <inkml:channelProperty channel="Y" name="resolution" value="1000" units="1/cm"/>
+          <inkml:channelProperty channel="F" name="resolution" value="0" units="1/dev"/>
+        </inkml:channelProperties>
+      </inkml:inkSource>
+      <inkml:timestamp xml:id="ts0" timeString="2023-04-26T13:35:57.096"/>
+    </inkml:context>
+    <inkml:brush xml:id="br0">
+      <inkml:brushProperty name="width" value="0.05292" units="cm"/>
+      <inkml:brushProperty name="height" value="0.05292" units="cm"/>
+      <inkml:brushProperty name="color" value="#FF0000"/>
+    </inkml:brush>
+  </inkml:definitions>
+  <inkml:trace contextRef="#ctx0" brushRef="#br0">7336 12285 8191,'0'5'0,"0"10"5063,0 13-5063,0-5 2818,3-7-2818,13-13 1719,13-17-1719,20-20 0,-28 7 0,-2-1 0,14-26 0,-23 20 0,-3 1 0,-3-4 6784,1-22-6784,-11 32 0,-7-14 0,-11 20 0,-7-8 0,2 11 0,-3-2 0,9 15 0,-3-2 0,7 7 0,2 0 0,4 0 0,-3 3 0,1 13 0,2 10 0,6 14 0,3 0 0,4-11 0,0-9 0,3-4 0,6-12 0,8 5 0,1-9 0,-2 0 0,-1-9 0,-7 1 0,4-5 0,-8 0 0,-1 6 0,-3-2 0,-6 5 0,-1 2 0,-6 2 0,0 0 0,-3 6 0,1 5 0,1 7 0,3 9 0,7-4 0,0 7 0,4-7 0,0-1 0,0-1 0,0-1 0,9-1 0,9-6 0,10-8 0,9-25 0,-11-5 0,-4-25 0,-15 9 0,-3 7 0,-10 14 0,-15 13 0,4 4 0,-13 3 0,15 0 0,1 0 0,5 6 0,2 5 0,3 7 0,1 9 0,3 1 0,0 3 0,0 1 0,10-4 0,4-1 0,9-7 0,-4-4 0,2-6 0,-3-6 0,10-1 0,-12-3 0,6-6 0,-14-5 0,-2-7 0,-2-19 0,-10 6 0,-15-7 0,-10 16 0,-5 11 0,10 8 0,11 3 0,9 0 0,3 0 0,0 0 0</inkml:trace>
+  <inkml:trace contextRef="#ctx0" brushRef="#br0" timeOffset="1932">9070 12191 24575,'0'19'0,"0"10"0,0 13 0,0 13 0,0-10 0,0-5 0,0-19 0,6-3 0,8-8 0,11-10 0,5-26 0,4-20 0,-19 9 0,-4-2 0,6-15 0,-10-6 0,-7 33 0,0 3 0,-6 2 0,-5 11 0,-11 5 0,-6 2 0,1 4 0,-4 0 0,8 0 0,-4 4 0,5 3 0,4 8 0,3 4 0,7 2 0,5 1 0,3-4 0,0-1 0,0 3 0,3-6 0,3 2 0,4-9 0,10-4 0,-5-16 0,4-6 0,-12-13 0,0 7 0,-19 5 0,-3 14 0,-12 6 0,9 10 0,2 5 0,12 22 0,0-8 0,4 9 0,4-12 0,6-8 0,6 0 0,6-6 0,4-5 0,-3-4 0,3-3 0,-4-6 0,-3-10 0,-4-8 0,-4-8 0,-6-9 0,-2 11 0,-6-3 0,-21 18 0,-14 8 0,-13 15 0,4 14 0,17 17 0,15 2 0,8-5 0,13-15 0,15-12 0,0-17 0,8-4 0,-10-11 0,-7-4 0,1-6 0,-7 4 0,0 1 0,-6 14 0,0 5 0,-10 6 0,-2 0 0,-10 3 0,0 0 0,3 9 0,1 4 0,3 13 0,3-3 0,4 3 0,5 6 0,3-5 0,24-1 0,10-14 0,18-26 0,-10-9 0,-13-15 0,-17 6 0,-23 14 0,7 9 0,-13 9 0</inkml:trace>
+  <inkml:trace contextRef="#ctx0" brushRef="#br0" timeOffset="2997">10778 10688 24575,'6'34'0,"0"0"0,8 6 0,3 1 0,2-6 0,3 0 0,10 4 0,1-4 0,11-4 0,-1-5 0,-17-25 0,-11 2 0,2-3 0,-10 0 0,-1-8 0,-3 0 0,-10-26 0,-10 10 0,-12-14 0,-16 15 0,5 2 0,-13 3 0,21 7 0,0 1 0,-32-5 0,30 7 0,3 0 0,-4 4 0,11 0 0,19 7 0,0 21 0,33 16 0,7 9 0,-11-24 0,1-2 0,16 3 0,-14-12 0,-9-8 0,-9-6 0,-6 0 0</inkml:trace>
+  <inkml:trace contextRef="#ctx0" brushRef="#br0" timeOffset="3732">10343 11025 24575,'0'45'0,"0"19"0,0-23 0,0 1 0,3 3 0,1-3 0,3 4 0,4-16 0,-2-34 0,-5-27 0,-2-31 0,-2 7 0,-6 14 0,-2 4 0,-2 5 0,-22-12 0,12 31 0,-8-2 0,2 11 0,3 0 0,-8 0 0,7 4 0,2 0 0,-4 12 0,16 4 0,-5 4 0,15 4 0,0-16 0,0 2 0</inkml:trace>
+  <inkml:trace contextRef="#ctx0" brushRef="#br0" timeOffset="4563">9195 10941 24575,'31'18'0,"9"-6"0,15-1 0,-11-7 0,-11-4 0,-16-6 0,-7-1 0,-3-3 0,-4-7 0,-3 9 0,0-8 0,0 9 0,-10-3 0,2 6 0,-13 1 0,2 3 0,1 0 0,1 0 0,3 0 0,4 0 0,1 0 0,5 3 0,2 5 0,2 2 0,15 0 0,-1-5 0,10-5 0,-1-6 0,-8-11 0,1 2 0,-9-5 0,-13 14 0,-17 21 0,2 4 0,-8 12 0,13 0 0,7-8 0,2 8 0,7-18 0,0 2 0</inkml:trace>
+  <inkml:trace contextRef="#ctx0" brushRef="#br0" timeOffset="5680">9149 11696 24575,'0'29'0,"0"-1"0,0 7 0,12-16 0,-6-7 0,13-12 0,-9 0 0,7 0 0,-3-6 0,5-10 0,-5-17 0,-5-2 0,1-2 0,-9 10 0,2 5 0,-3 1 0,-6 6 0,-1 6 0,-7 6 0,-9 3 0,8 0 0,-5 2 0,13 11 0,5 2 0,2 0 0,0-6 0</inkml:trace>
+  <inkml:trace contextRef="#ctx0" brushRef="#br0" timeOffset="6547">9712 11786 24575,'0'16'0,"0"1"0,6 14 0,6-6 0,7 4 0,4-14 0,3-4 0,-3-7 0,4 0 0,-5-4 0,-4 0 0,-4-3 0,2-17 0,-8-7 0,2-3 0,-6 3 0,-4 11 0,-3 8 0,0 5 0,0 24 0,7 14 0,18 7 0,10-7 0,9-14 0,-12-13 0,-12-11 0,-12 1 0,-5-4 0</inkml:trace>
+  <inkml:trace contextRef="#ctx0" brushRef="#br0" timeOffset="7716">12510 10888 24575,'0'15'0,"0"4"0,0 14 0,0 10 0,3-5 0,10-5 0,8-19 0,20-12 0,2-32 0,-3 8 0,-7-29 0,-7 11 0,-12 9 0,0-1 0,-11 22 0,-5 4 0,-28 3 0,11 9 0,-27 7 0,22 7 0,0 4 0,5-5 0,9-5 0,3-2 0,4 4 0,13 3 0,8-2 0,11-7 0,0-7 0,-9-3 0,-19 3 0,-6 1 0,-8-1 0,7 2 0,4-4 0,2 2 0</inkml:trace>
+  <inkml:trace contextRef="#ctx0" brushRef="#br0" timeOffset="8514">13474 10890 24575,'0'39'0,"0"1"0,-1 1 0,2-3 0,15-2 0,9-10 0,-1-43 0,-2-14 0,-22 10 0,-6 0 0,-13 21 0,1 0 0,-4 0 0,12 0 0,4 0 0</inkml:trace>
+  <inkml:trace contextRef="#ctx0" brushRef="#br0" timeOffset="9864">8906 10458 24575,'41'-48'0,"0"0"0,-7 13 0,6-6 0,5-4 0,3-2 0,1-1 0,-2 2 0,-3 4-1639,-4 2 1,-1 2-1,-1 1 1,1 0 0,1-2-1,4-3 1473,-3 2 1,4-3-1,3-1 1,0-2-1,2-1 1,-2 1-1,0 1 1,-3 3-1,-3 2 196,3-3 0,-4 4 0,-2 1 0,1 1 0,1-3 0,2-3-30,-2 3 0,1-2 0,3-3 0,0-1 0,1-1 0,0 0 0,-1 1 0,-2 2 0,-2 2-290,8-8 0,-3 2 0,-1 1 0,-1 1 1,2-1-1,1-3 290,-4 5 0,2-2 0,1-1 0,1-1 0,-1 1 0,-2 1 0,-3 3 0,-4 3 0,9-9 0,-6 4 0,-2 2 0,1 0-311,2 0 0,0 0 0,-2 2 0,-3 3 311,6-9 0,-3 2 1461,6-5 0,-7 8-1461,-18 22 476,1-3 0,-13 18 0,0-6 0</inkml:trace>
+  <inkml:trace contextRef="#ctx0" brushRef="#br0" timeOffset="10597">9043 8094 24575,'63'23'0,"0"-1"0,-1 1 0,1-1 0,0 0 0,0 1 0,-9-2 0,-1 1 0,1-1 0,0 2 0,3 2 0,1 1 0,5 3 0,3 3 0,-21-9 0,3 2 0,3 2 0,2 1 0,1 2 0,2 1 0,2 1 0,0 1 0,2 1 0,0 0 0,0 1 0,0-1 0,0 1 0,-1-1 0,-1-1 0,-1 0 0,-1-1 0,-2-1 0,-2-1 0,-2-2-648,12 7 0,-3-1 0,-3-2 0,-1-1 0,-1-1 0,-1 0 0,0 0 0,1 1 0,1 0 0,1 1 0,3 2 0,3 1 648,-11-6 0,3 2 0,2 1 0,2 1 0,2 2 0,2 0 0,0 1 0,1 0 0,0 0 0,0 0 0,0 0 0,-2-1 0,-1 0 0,-2-2 0,-2-1 0,-2-1 0,-3-2 0,-4-2 0,-3-2 0,-5-2 0,30 16 0,-10-5 0,-6-4 0,-3-2 0,0-1 0,5 3 0,0 0 0,-6-5 0,-14-8 0,-11-7 0,-24-13 0</inkml:trace>
+  <inkml:trace contextRef="#ctx0" brushRef="#br0" timeOffset="695355">6515 12228 8191,'0'6'0,"0"-3"5063,9 0-5063,-1-3 2818,5-3-2818,0 0 1719,-7-4-1719,7-5 6784,-9 5-6784,2-5 0,-8 9 0,1 3 0,-1 5 0,13 8 0,-2-2 0,11 1 0,-4-2 0,-3-6 0,0 2 0,-4-6 0,-3 0 0,2 0 0,5 0 0,10 0 0,7 0 0,-2 0 0,-2-3 0,-12-3 0,-5-7 0,-9 3 0,-16 0 0,3 8 0,-10 2 0,10 0 0,-1 0 0,1 0 0,-1 0 0,4 5 0,4-1 0,3 8 0,3-5 0,0 2 0,0-3 0,2-2 0,2-2 0,1-2 0,4 0 0,1-12 0,0-6 0,-3-10 0,-4 0 0,-23 11 0,-1 7 0,-14 7 0,10 3 0,9 3 0,9 3 0,5 4 0,2 0 0,0-2 0,0-2 0,2-2 0,1-2 0,0-2 0,0 0 0</inkml:trace>
+  <inkml:trace contextRef="#ctx0" brushRef="#br0" timeOffset="697155">9550 12218 24575,'0'35'0,"0"6"0,0-2 0,0-3 0,5-19 0,2-8 0,3-6 0,-1-3 0,-6-10 0,3 2 0,-5-18 0,4 10 0,-4-9 0,2 1 0,-3 4 0,0-7 0,-3 16 0,-18-6 0,-6 10 0,-13-1 0,4 5 0,12 3 0,11 9 0,21 13 0,25 11 0,15 6 0,5-11 0,-16-9 0,-17-12 0,-10-4 0,-4-3 0,0 0 0,-5-3 0,-5 0 0,-3-1 0,-5-1 0,5 4 0,-2-2 0,6 1 0,0-1 0,6-5 0,-3 1 0,3-1 0,0 4 0,0 2 0,2 2 0,-2-9 0,-15-2 0,-1-3 0,-14 1 0,14 9 0,9 18 0,3-9 0,7 12 0</inkml:trace>
+  <inkml:trace contextRef="#ctx0" brushRef="#br0" timeOffset="698354">12613 11032 8191,'6'0'0,"-1"0"5063,11 0-5063,-5 0 2818,13 0-2818,-10 0 1719,7 0-1719,9 0 6784,1 0-6784,-3 0 0,-9 0 0,-4 0 0,1 0 0,13 4 0,-2 0 0,1 4 0,12-4 0,-18 0 0,9-4 0,-21 0 0,0 0 0,-10-6 0,-22-9 0,-2-3 0,-13-1 0,7 3 0,15 11 0,2-1 0,11 6 0</inkml:trace>
+  <inkml:trace contextRef="#ctx0" brushRef="#br0" timeOffset="699657">10563 10824 24575,'0'6'0,"5"0"0,5-3 0,6 0 0,-3-3 0,-1-3 0,-9-4 0,0 1 0,-3 1 0,-11 3 0,2 5 0,-9-3 0,1 6 0,2-1 0,-2 8 0,4-2 0,2-1 0,2 2 0,5-5 0,1 2 0,3-3 0,0 1 0,0-7 0,0 0 0</inkml:trace>
+  <inkml:trace contextRef="#ctx0" brushRef="#br0" timeOffset="703438">3804 12782 8191,'-23'5'0,"5"-2"5063,5-3-5063,3 0 2818,-16 7-2818,13-2 1719,15 3-1719,19-5 0,43-3 0,-20-7 0,7-3 0,0 0 963,0 2 1,1 0-1,2-2-963,3-1 0,4-3 0,0 1 0,-3 0-1528,-2 1 1,-3 1 0,5 0 1527,-3 1 0,6 0 0,3 1 0,-1-1 0,-4 1-994,-1-2 0,-4 2 0,1-1 0,5 0 994,-3 2 0,5 0 0,2-1 0,2 1 0,-2 1 0,-2-1-468,2 1 0,-1-1 0,-2 1 0,1 1 0,1 0 468,-7 2 0,1 1 0,0 0 0,1 1 0,-1-1 0,1 0-166,0 1 1,1-1 0,0 0 0,0 0 0,0 1 0,0-1 165,1 1 0,0 0 0,0 1 0,0-1 0,0 1 0,0-1-60,-1 0 1,0 1-1,1-1 1,-1 1-1,0-1 1,1 0 59,1-1 0,0 0 0,1 0 0,0 0 0,-1 0 0,-1 1 155,-2 1 0,-2 1 0,0 0 0,1 1 0,0-2 0,2 0-155,-2-1 0,2-1 0,0 0 0,1-1 0,1 1 0,-1-1 0,-1 1 0,1 1 0,-1 0 0,1 0 0,-1 0 0,0 0 0,-1-1 0,0-1 0,4-1 0,-1 0 0,0-2 0,0 0 0,-2 1 0,0-1 312,9 0 0,0 0 0,-1 0 0,-4-1 1,-4-2-313,5-4 0,-6-2 0,-2 0 1127,-7 2 1,-1-1 0,-5-1-1128,-1-5 0,-3 0 2530,-6 8 0,0-1-2530,17-11 0,5-2 0,-7 9 0,4 1 0,0-2 115,4-3 0,1 0 1,0-1-116,0 0 0,0 0 0,1 1 0,4 1 0,2 1 0,-1 0 0,-15 5 0,0-1 0,0 1 0,0 0 0,1 2 0,0 0 0,0 0 0,-1 1 0,13-2 0,-1 0 0,-4 3-108,1-2 0,-3 3 108,0 4 0,1 0 0,7-2 0,-1 0 0,-15 2 0,0 1-336,8 2 1,-3 0 335,13-5 0,-8 7 0,-12-4 0,-12 5 3007,-10-3-3007,-5 3 1848,-7-3-1848,0 3 892,-4 0-892,18 0 0,21-9 0,-12 1 0,2-1-667,6-3 0,1-3 667,4-3 0,1-1 0,-1 2 0,2-1 0,4-3 0,3-2 0,5 2 0,2-1 0,-20 6 0,0 0 0,2 0 0,1 1 0,1 2 0,-1-1 0,-1 1 0,-1 1 0,-1 1 0,13 0 0,-2 1 0,0-1 0,1 2 0,6 5 0,1 2 0,2-3 0,1 2-566,-18 2 0,1 1 0,-3 1 566,9-1 0,-5 0 0,-9 0 0,-3 0 0,17 0 0,-12 0 1215,-7 0-1215,-14 0 0,-8 0 0,-8-3 1817,13 3-1817,12-6 0,10-1 0,15 1 0,10-1 0,6-1-1158,-13-1 1,2-2-1,4 0 1,2-1 0,3 0 1157,-8 3 0,3 0 0,1 0 0,2 0 0,1 0 0,2-1 0,0 1 0,-7 0 0,1 0 0,2 0 0,0-1 0,1 1 0,0-1 0,0 1 0,-1 1 0,-1 0-541,-3 0 0,-2 1 0,0 0 0,0 1 1,0-1-1,0 1 0,0 0 0,1 0 1,1 0 540,0 0 0,1-1 0,1 1 0,1 0 0,0 0 0,0 1 0,-2-1 0,-3 1 0,-2 0 0,-3 1-338,16-1 0,-6 1 1,-2 1-1,0 0 1,5-2 337,-3 1 0,5-1 0,3 0 0,0 0 0,-4-1 0,-7 2 0,-9 1 0,-3 0 0,-9 0 0,5 1 0,6-1 0,6-1 0,3 0 0,-5 0 0,-9-1 0,-2-3 0,-5 0 0,11 1 0,-1-2-52,-8-2 1,-5-3 51,6-13 3164,5 11-3164,-7 7 0,9 3 0,-2 2 0,8 1 0,3 0 0,-1 0 331,2 1 0,0-1 1,2 1-1,0-1-331,-8 0 0,0-1 0,1-1 0,1 1 0,1 0 0,7-1 0,2 1 0,0-1 0,0 1 0,-2 0 0,-7 1 0,0 0 0,-2 0 0,1 0 0,0 0 0,4-1 0,1-1 0,1 1 0,-2 0 0,-2 0 0,6 2 0,-1 0 0,-3 0 0,-8 1 802,1-2 1,-5 0-803,7 3 0,-4 0 0,-16 0 0,-1 0-122,12 0 1,-1 0 121,21 0 0,-31 0 0,-1 0 0,23 0 0,-6 0 0,-6 4 4682,-7 0-4682,-9 1 326,-3 1 0,-13-5 0,-4 2 0</inkml:trace>
+  <inkml:trace contextRef="#ctx0" brushRef="#br0" timeOffset="716724">8837 9823 8191,'0'-1'0,"11"-28"0,8-12 1291,-1 1 0,4-4-1291,4-5 0,4-6 0,4-5 0,-5 10 0,3-4 0,2-2 0,1-2 0,1-2-23,-6 9 0,1-3 0,2 0 1,-1-2-1,2 0 0,0 0 0,0 1 23,-2 5 0,1 0 0,1 1 0,0-1 0,0 0 0,0 0 0,1-1 0,-1 0 0,2-4 0,1-2 0,0-1 0,0 0 0,0 1 0,0 2 0,-1 3 0,-1 4 0,8-6 0,-1 4 0,0 4 0,-1 1 0,0-1 354,-2 0 0,1 0 0,-1 1 0,-1 3 1,-3 5-355,4 0 0,-3 4 0,-1 4 2012,8-5 1,-4 7-2013,-4 3 2108,-16 17-2108,-13 7 1253,0 0 0,-2 0 0,-2 0 0</inkml:trace>
+  <inkml:trace contextRef="#ctx0" brushRef="#br0" timeOffset="717672">9223 7252 24575,'43'48'0,"1"-1"0,-11-9 0,2 3 0,3 3 0,3 3 0,-2-4 0,3 3 0,2 1 0,2 2 0,-1 1 0,0-1-1047,-6-4 1,1 0 0,0 1 0,0 0 0,0-1 0,-1 1 0,1-1 1046,4 6 0,1-1 0,-1 0 0,0 0 0,-1-1 0,-2-2 0,2 1 0,-2 1 0,0-3 0,-3-1 0,-3-3 637,6 8 0,-4-4 1,-3-4-638,6 4 0,-6-7 1201,-7-1-1201,-18-30 0,-32-25 0,-4-7 0,-12-12 0,-6-7-283,-2-1 0,-1-2 283,15 13 0,-1-1 0,-2-2 0,-7-7 0,-2-3 0,1 2 0,5 7 0,1 2 0,-1-2 0,-6-10 0,-1-1 0,1 2 0,12 14 0,0 2 0,0-3-153,-12-14 0,-1-4 0,4 4 153,2 5 0,2 1 0,3 4 0,-1-1 0,3 3 0,3 4 0,4 5 0,-5-3 0,15 16 4461,10 3-4461,3 9 0,3-1 0,0 5 0</inkml:trace>
+</inkml:ink>
+</file>
+
+<file path=ppt/ink/ink2.xml><?xml version="1.0" encoding="utf-8"?>
+<inkml:ink xmlns:inkml="http://www.w3.org/2003/InkML">
+  <inkml:definitions>
+    <inkml:context xml:id="ctx0">
+      <inkml:inkSource xml:id="inkSrc0">
+        <inkml:traceFormat>
+          <inkml:channel name="X" type="integer" min="-2.14748E9" max="2.14748E9" units="cm"/>
+          <inkml:channel name="Y" type="integer" min="-2.14748E9" max="2.14748E9" units="cm"/>
+          <inkml:channel name="F" type="integer" max="32767" units="dev"/>
+        </inkml:traceFormat>
+        <inkml:channelProperties>
+          <inkml:channelProperty channel="X" name="resolution" value="1000" units="1/cm"/>
+          <inkml:channelProperty channel="Y" name="resolution" value="1000" units="1/cm"/>
+          <inkml:channelProperty channel="F" name="resolution" value="0" units="1/dev"/>
+        </inkml:channelProperties>
+      </inkml:inkSource>
+      <inkml:timestamp xml:id="ts0" timeString="2023-04-26T13:46:51.885"/>
+    </inkml:context>
+    <inkml:brush xml:id="br0">
+      <inkml:brushProperty name="width" value="0.05292" units="cm"/>
+      <inkml:brushProperty name="height" value="0.05292" units="cm"/>
+      <inkml:brushProperty name="color" value="#FF0000"/>
+    </inkml:brush>
+  </inkml:definitions>
+  <inkml:trace contextRef="#ctx0" brushRef="#br0">17255 7915 24575,'-24'46'0,"12"-8"0,-4-2 0,1 2 0,9 6 0,-6-1 0,7 13 0,1-22 0,0 30 0,4-32 0,2-2 0,13-10 0,1-16 0,25 3 0,20-6 0,-23 2 0,3-2 0,11-10 0,0-5 0,-7 4 0,0-5 0,5-12 0,-3-6 0,-10 3 0,-3-2 0,3-6 0,-3-1 0,-10 5 0,-5 1 0,10-22 0,-14 18 0,-11 6 0,-1 8 0,-3-9 0,-6 12 0,-5-3 0,-12 8 0,-5 3 0,-4 4 0,1 1 0,-21 6 0,11-2 0,-17 3 0,15 0 0,-5 0 0,3 7 0,12 3 0,-1 1 0,-9 9 0,-15 12 0,30-15 0,0 6 0,3 2 0,2 9 0,4 2 0,9 7 0,7 2 0,3-20 0,0-1 0</inkml:trace>
+  <inkml:trace contextRef="#ctx0" brushRef="#br0" timeOffset="1383">18005 7979 24575,'0'40'0,"0"13"0,0-17 0,0 1 0,0 25 0,3-9 0,7-28 0,1-5 0,8-13 0,5-5 0,0-2 0,7 0 0,-7 0 0,-4 0 0,-6-2 0,-1-2 0,-6-5 0,6-2 0,-3 1 0,1-7 0,-2 6 0,1-6 0,-2 3 0,2-3 0,-3-1 0,0 0 0,3 0 0,0-5 0,4 1 0,-1-5 0,-3 7 0,-1 7 0,-3 5 0,-3 2 0,0 0 0,-1 3 0,2 10 0,13 19 0,7 11 0,0 1 0,1-9 0,-8-6 0,0-8 0,2 4 0,4-6 0,4 0 0,8 1 0,1 0 0,7 3 0,-7-2 0,3 0 0,-10-8 0,-11-4 0,-8-3 0</inkml:trace>
+  <inkml:trace contextRef="#ctx0" brushRef="#br0" timeOffset="3901">18780 7413 24575,'0'27'0,"4"30"0,4-16 0,1 2 0,-4-5 0,2-1 0,5 1 0,1 0 0,-4 1 0,0-3 0,6 17 0,-7-16 0,1-3 0,2-2 0,-6-1 0,2-4 0,-3-1 0,-3-4 0,5 0 0,-5 0 0,2-4 0,-3-1 0,0-7 0,0 3 0,0-6 0,0 2 0,0-3 0,0-1 0,0-2 0,0 0 0</inkml:trace>
+  <inkml:trace contextRef="#ctx0" brushRef="#br0" timeOffset="4566">18728 7752 24575,'38'0'0,"23"0"0,-20 0 0,3 0 0,3 0 0,-1 0 0,20 0 0,-23 0 0,-19 0 0,-18 0 0,-4 0 0</inkml:trace>
+  <inkml:trace contextRef="#ctx0" brushRef="#br0" timeOffset="5435">19414 7492 24575,'0'48'0,"0"9"0,0 7 0,0 5 0,0-20 0,0 1 0,0-2 0,0 4 0,0-4 0,0-4 0,0-3 0,0 3 0,0-2 0,0 17 0,0-22 0,0-10 0,0-14 0,11-7 0,2-4 0,10-2 0,-1 0 0,0 0 0,4 0 0,6 0 0,3-6 0,-5 1 0,-7-4 0,-7-1 0,-3 0 0,2 1 0,-8 2 0,-2 5 0</inkml:trace>
+  <inkml:trace contextRef="#ctx0" brushRef="#br0" timeOffset="6216">19851 7990 24575,'0'29'0,"0"-4"0,6 16 0,2-10 0,3 6 0,-4-17 0,-5-10 0,-2-8 0</inkml:trace>
+  <inkml:trace contextRef="#ctx0" brushRef="#br0" timeOffset="6916">19885 8185 24575,'0'5'0,"0"4"0,0 3 0,0 8 0,0 0 0,6 3 0,-5-7 0,5-4 0,-6-6 0,0-3 0</inkml:trace>
+  <inkml:trace contextRef="#ctx0" brushRef="#br0" timeOffset="7400">19892 7968 8191,'-3'-3'0,"0"0"0</inkml:trace>
+  <inkml:trace contextRef="#ctx0" brushRef="#br0" timeOffset="8701">20113 8147 24575,'33'0'0,"3"0"0,8 0 0,-7 0 0,-6 0 0,-12-6 0,-4 0 0,-5-13 0,-4-5 0,-3-8 0,-3-7 0,0 2 0,-3 5 0,0 11 0,-7 9 0,0 6 0,-1-1 0,-1 0 0,5 4 0,-6 0 0,3 3 0,-3 0 0,-1 0 0,1 0 0,-5 0 0,0 0 0,-6 0 0,-4 0 0,0 6 0,0 4 0,5 10 0,6 4 0,0 10 0,3 2 0,5 13 0,3-1 0,6 6 0,0-14 0,0-4 0,3-8 0,1-9 0,2 4 0,4-9 0,-3-1 0,12 3 0,-7-5 0,7 5 0,-2-8 0,-2 1 0,5-2 0,13 7 0,-8-5 0,11 5 0,-14-6 0,4-1 0,7-3 0,2 0 0,4-4 0,-8 0 0,-1-3 0,-6-10 0,-7-9 0,-7-8 0,-7 11 0,-3 5 0</inkml:trace>
+  <inkml:trace contextRef="#ctx0" brushRef="#br0" timeOffset="10251">20580 7952 24575,'0'19'0,"10"11"0,5 14 0,5-2 0,-4 5 0,-1-14 0,-10-3 0,3-6 0,-7-6 0,2-8 0,-3-2 0,0-2 0,0-1 0,0 4 0,0-3 0,2 6 0,2-6 0,-1 3 0,3-3 0,-6 0 0,6 0 0,-6 0 0,3 0 0,-3 0 0,0 0 0,0-1 0,0 4 0,0-3 0,2 5 0,-1-1 0,2-1 0,-3-1 0,0-2 0,2-3 0,-1-13 0,1-9 0,-2-16 0,0-6 0,0 1 0,0 8 0,0 5 0,0 11 0,3-3 0,3 3 0,1-7 0,5 3 0,-2-7 0,1 4 0,-2 4 0,-3 4 0,1 3 0,1 2 0,-1-3 0,2 4 0,0-1 0,1 3 0,7-5 0,0 4 0,0-1 0,1 1 0,5-1 0,6 1 0,1 1 0,2 3 0,-4 4 0,5 0 0,3 0 0,-13 0 0,-7 0 0</inkml:trace>
+  <inkml:trace contextRef="#ctx0" brushRef="#br0" timeOffset="11782">19867 7822 8191,'-12'0'0,"-1"0"5063,-3 0-5063,3 6 2818,7 0-2818,3 4 1719,3-2-1719,0-2 6784,3 0-6784,4-3 0,3 3 0,3-5 0,0 2 0,-3-3 0,0 0 0,-4 0 0,0 0 0,-8 0 0,1 0 0,-8 0 0,6-3 0,1-3 0,2 0 0,0-3 0,0 4 0,0 1 0,0 2 0</inkml:trace>
+  <inkml:trace contextRef="#ctx0" brushRef="#br0" timeOffset="32101">9517 12931 24575,'0'41'0,"0"0"0,0 11 0,0 6 0,0-4 0,0 4 0,0-1-2377,0-1 0,0 1 0,0 0 2377,0-7 0,0 2 0,0-1 0,0-1 0,0 6 0,0-3 0,0 2 77,0 2 0,0 1 0,0-4-77,0 3 0,0-4 0,0 1 0,0-3 0,0-14 0,0-3 1120,0 33-1120,0-5 0,0-29 0,0-1 3507,0-11-3507,0-7 1798,0-2-1798,0-11 475,0-14-475,0-8 0,3-17 0,2-6 0,1-8 0,0 5 0,2-3 0,0-2-1194,0-2 0,0-1 1,0-2 1193,3-8 0,-1-2 0,0 2 0,-3 11 0,-1 1 0,1 0 0,1 0 0,1 0 0,-1-2-334,0-5 1,0-2 0,0 2 333,0 3 0,1 2 0,-1 2 0,3-10 0,-1 4 0,-3 7 0,0 7 0,5 6 0,-3 2 0,2 10 0,-4 5 0,0 4 3369,0 5-3369,-1-1 1212,1 1-1212,0 3 0,-1-2 0,0 2 0,-3 1 0,2 2 0,-4 2 0,2 7 0,-3 24 0,0 8 0,-1 4 0,2 4-874,1-3 1,1 2 873,0 15 0,0 6 0,3-1 0,0 4 0,0-2 0,-1-10 0,-1-3 0,1 2-688,0 5 1,1 1-1,-1-4 688,1 5 0,0-6 0,-1-16 0,0 0-559,4 27 1,0 0 558,-3-28 0,0-2 0,1 14 0,-1-4 0,-3-13 1450,-3 1-1450,4 0 2104,-3 0-2104,2 5 1373,-3-4-1373,4 4 0,-3-5 0,6 14 0,-3-1 0,4 3 0,0-11 0,-1-4 0,0-8 0,-3-1 0,1-5 0,-4-13 0,2 0 0</inkml:trace>
+  <inkml:trace contextRef="#ctx0" brushRef="#br0" timeOffset="33283">9399 11990 10393,'-3'5'0,"0"10"5059,3 13-5059,0 10 2466,-4 17-2466,-3-20 0,0 2 0,-2 10 0,-1 1 714,-1-4 0,-2 0-714,-3 17 0,0-2 2614,8-19 1,-1-1-2615,-7 17 0,0-1 0,11-15 0,0-2 0,-5 1 0,0-2 0,5 20 0,-2-20 0,7-16 0,0-14 0,9-55 0,7 2-647,-2 0 1,3-3 646,0 9 0,2 1 0,3-7 0,0 0 0,-4 12 0,-1 0 0,2-10 0,-1 1 0,-1 12 0,0 0 0,-1-7 0,0 0-84,-1 4 0,0 2 84,12-20 0,-12 9 0,3 8 0,-7 5 0,0 8 0,-5 7 1282,2 20-1282,5 33 0,8 4 0,4 8 0,-4-2 0,1 3 0,2 0-331,3 1 0,1-1 1,1 1 330,0 7 0,1 0 0,-2-6-773,0-4 1,-2-5 772,-1 1 0,-3-6 0,-1-6 0,-5-6 0,-6-12 0,-3-2 0,-1-7 1077,0 0-1077,-3 0 0,0-2 0,-3-2 0</inkml:trace>
+  <inkml:trace contextRef="#ctx0" brushRef="#br0" timeOffset="34516">9035 14056 24575,'7'10'0,"20"15"0,15 10 0,6 5 0,-5-6 0,2 1-892,-4-1 0,4 2 0,1-1 892,5 3 0,2-1 0,-4-2-839,1 4 0,-1-2 839,-8-8 0,0 0 0,-2-1 0,2 5 0,-5-3 907,7 3-907,-12-8 0,-2-2 0,-5-4 0,-4-5 1236,-2-4-1236,-5-1 2109,-2-2-2109,-3-4 102,-1 5-102,9-3 0,0 6 0,-2-4 0,0 5 0,-7-8 0,2 1 0,-4-5 0,1 0 0,-1 0 0,4-6 0,-2-5 0,3-7 0,-2-19 0,1-10 0,5-17-1183,1 0 1183,-5 21 0,1-3-132,3-1 1,0-1 131,2-13 0,0-1 0,3 1 0,0 1 0,-5 8 0,0 2 0,1 7 0,-1 3 0,2-19 0,2 18 0,-7 7 1166,-4 14-1166,-1 1 280,-6 10-280,5 2 0,-4 5 0,1 2 0</inkml:trace>
+</inkml:ink>
+</file>
+
+<file path=ppt/ink/ink3.xml><?xml version="1.0" encoding="utf-8"?>
+<inkml:ink xmlns:inkml="http://www.w3.org/2003/InkML">
+  <inkml:definitions>
+    <inkml:context xml:id="ctx0">
+      <inkml:inkSource xml:id="inkSrc0">
+        <inkml:traceFormat>
+          <inkml:channel name="X" type="integer" min="-2.14748E9" max="2.14748E9" units="cm"/>
+          <inkml:channel name="Y" type="integer" min="-2.14748E9" max="2.14748E9" units="cm"/>
+          <inkml:channel name="F" type="integer" max="32767" units="dev"/>
+        </inkml:traceFormat>
+        <inkml:channelProperties>
+          <inkml:channelProperty channel="X" name="resolution" value="1000" units="1/cm"/>
+          <inkml:channelProperty channel="Y" name="resolution" value="1000" units="1/cm"/>
+          <inkml:channelProperty channel="F" name="resolution" value="0" units="1/dev"/>
+        </inkml:channelProperties>
+      </inkml:inkSource>
+      <inkml:timestamp xml:id="ts0" timeString="2023-04-26T13:49:43.665"/>
+    </inkml:context>
+    <inkml:brush xml:id="br0">
+      <inkml:brushProperty name="width" value="0.05292" units="cm"/>
+      <inkml:brushProperty name="height" value="0.05292" units="cm"/>
+      <inkml:brushProperty name="color" value="#FF0000"/>
+    </inkml:brush>
+  </inkml:definitions>
+  <inkml:trace contextRef="#ctx0" brushRef="#br0">1608 9360 8191,'-4'3'0,"13"19"5063,1 0-5063,15 21 2818,3 5-2818,6 8 0,-1-9 0,-4-1 1719,-4-16-1719,-12-6 6784,6-1-6784,-9-3 0,6-3 0,-1 7 0,1-10 0,9 13 0,-12-10 0,10 8 0,-15-5 0,2-9 0,2 12 0,-4-15 0,4 10 0,-5-11 0,-1 6 0,-2-3 0,1 0 0,-1 2 0,2 1 0,0 1 0,0-2 0,-2-3 0,1 0 0,-2 0 0,6 7 0,-5-9 0,2 2 0</inkml:trace>
+  <inkml:trace contextRef="#ctx0" brushRef="#br0" timeOffset="937">1626 10130 8191,'-7'-23'0,"12"-9"5063,1-12-5063,13-1 0,4-4 0,-1-2 0,0-2 0,4-5 0,1 0 0,2 2 0,-3 3 1409,-12 20 0,-1 4-1409,17-19 1719,-19 25-1719,-2 5 6784,-3 17-6784,0-4 0,-1 5 0,1-3 0,0 2 0,0-10 0,3 3 0,4-14 0,0 8 0,3-4 0,-10 5 0,2 7 0,-7 0 0,2 6 0</inkml:trace>
+  <inkml:trace contextRef="#ctx0" brushRef="#br0" timeOffset="2567">2199 10041 24575,'26'-7'0,"8"-5"0,1-4 0,1 1 0,-4 1 0,-8 6 0,4 1 0,-11 3 0,0 4 0,-6 0 0,2 0 0,-7 0 0,4 0 0,-4 0 0,4 3 0,-5 0 0,5 12 0,-6 11 0,2 10 0,-6-2 0,0 22 0,0-22 0,-12 15 0,0-24 0,-14-6 0,12-12 0,-5-1 0,15-3 0,-5-3 0,6 3 0,4-3 0,4 0 0,21 3 0,4 5 0,11 3 0,-6 3 0,-11-4 0,-6-1 0,-8-3 0,-2 3 0,-4-2 0,-2 1 0,1 4 0,-2-1 0,1 5 0,-2 7 0,0 2 0,0 5 0,0-3 0,0-8 0,-3-2 0,-4 0 0,-7-2 0,-5 2 0,-7-5 0,-7-1 0,-1 1 0,-8-3 0,-14 3 0,3-7 0,-7-1 0,24-4 0,18 2 0,9-1 0,9 1 0</inkml:trace>
+  <inkml:trace contextRef="#ctx0" brushRef="#br0" timeOffset="3333">2790 9799 8191,'-4'0'0,"13"0"5063,7 0-5063,34 0 2818,-4 0-2818,15 0 1719,-12 0-1719,-19 0 6784,-5 0-6784,-15 0 0,2 0 0,-6 0 0,3 0 0,-2 0 0,1 0 0,-4 0 0,-2 0 0</inkml:trace>
+  <inkml:trace contextRef="#ctx0" brushRef="#br0" timeOffset="4084">2728 9696 24575,'51'0'0,"7"-4"0,-18 2 0,1-1 0,16-1 0,-12 0 0,-17 4 0,-12 0 0,3 0 0,-16 0 0,0 0 0</inkml:trace>
+  <inkml:trace contextRef="#ctx0" brushRef="#br0" timeOffset="5166">3552 9381 24575,'0'51'0,"0"-4"0,0-6 0,0 0 0,0 10 0,0-4 0,0-15 0,0-16 0,0 3 0,0-13 0,0-5 0,15-12 0,9-7 0,21-12 0,5 7 0,9 4 0,-9 11 0,7 4 0,-15 7 0,-5 1 0,-12 6 0,-11-2 0,-2 4 0,-5-5 0,2 2 0,-3-3 0,-3 0 0,0 0 0,-3 4 0,0 6 0,-3 2 0,-8 3 0,-15 7 0,-19 1 0,16-12 0,-1 0 0,-21 12 0,11-13 0,-3-1 0,8-3 0,-1-1 0,-12 3 0,-2-1 0,10-4 0,3-1 0,-20 3 0,22-7 0,18-1 0,5-3 0,8 0 0,2 0 0</inkml:trace>
+  <inkml:trace contextRef="#ctx0" brushRef="#br0" timeOffset="5866">3615 9272 11101,'6'0'0,"26"0"4454,11 0-4454,-11 0 0,4 0 1223,19 0 1,1 0-1224,-10 0 0,0 0 706,10 0 1,-3 0-707,10 0 4712,-26 0-4712,-21 0 0,-10 0 0,-4 0 0</inkml:trace>
+  <inkml:trace contextRef="#ctx0" brushRef="#br0" timeOffset="6567">4292 10019 24575,'0'-12'0,"0"0"0,0 0 0,0 5 0,0 2 0</inkml:trace>
+  <inkml:trace contextRef="#ctx0" brushRef="#br0" timeOffset="7751">4541 9384 9976,'0'18'0,"0"-1"5093,0 18-5093,0 0 2537,0-6-2537,0 8 1481,0-9-1481,0-2 5488,0-8-5488,0-4 0,0-5 0,2-5 0,23-5 0,-3 0 0,24-3 0,-7 4 0,4 0 0,-10-1 0,2 2 0,29 15 0,-30-12 0,-1 2 0,15 22 0,-25-12 0,-5 2 0,-2-2 0,-5-2 0,1-1 0,-8-4 0,-1-3 0,-3 0 0,0 0 0,0 0 0,0 3 0,-13 7 0,-14 3 0,-25 11 0,19-17 0,0-1 0,0 0 0,0 0 0,-30 8 0,21-9 0,10-3 0,18-5 0,9-3 0</inkml:trace>
+  <inkml:trace contextRef="#ctx0" brushRef="#br0" timeOffset="8599">4537 9341 24575,'52'0'0,"-16"0"0,3 0 0,6 0 0,2 0 0,7 0 0,0 0 0,-8 0 0,-3 0 0,-6-2 0,-1 0 0,17 2 0,-25-4 0,-11 4 0,-7 0 0,5 0 0,-8 0 0,5 0 0,-9 0 0,0 0 0</inkml:trace>
+  <inkml:trace contextRef="#ctx0" brushRef="#br0" timeOffset="17133">5054 7595 24575,'-40'0'0,"-4"0"0,-9 0 0,6 0 0,-4 0 0,-4 0-1587,-2-1 1,-3-1 0,-3 1-1,0-1 1587,6-1 0,-1 1 0,-1-1 0,0 0 0,0 0 0,-2 0 0,-1-1 0,0-1 0,1 1 0,3 0 0,-7 0 0,3 1 0,1-1 0,3 1 0,-2-1 0,3-1 0,1 3 0,0 1 0,2 1 0,2 1-67,-5-1 1,2 0 66,-9 0 0,2 0 447,10 0 0,6 0-447,-5 0 0,2 0 0,-8 7 0,-5 14 0,1 3 0,27-5 0,2 1 0,-15 13 2594,-5 5-2594,9 4 1836,7-6-1836,10-5 0,0 4 0,3-3 0,1 1 73,-1 0 1,0 0-74,2 1 0,2 0 0,2 0 0,-1 1 0,-4 14 0,-1 2 0,2 2 0,-1 3 0,5-14 0,0 2 0,0-2 0,-2 12 0,0-1 0,-3 6 0,-2-1 0,0-5 0,-2-1 0,0-1 0,-2-1 0,-4-1 0,0-3 24,3-12 1,1-2-25,-5 7 0,0 0 0,0-5 0,0-1 0,-1 4 0,-2 2 0,4-5 0,-3 3 0,1-2 0,-8 5 0,0-1 0,7-5 0,-1 2 0,0-3 0,-7 3 0,2-2 0,6-2 0,3-3 0,-19 13 0,22-8 0,5-10 0,3 4 0,2 0 507,7-5-507,0 8 0,5-4 0,-2 10 452,5-4-452,1-1 0,2 3 0,1 28-270,0-25 1,0 2 269,1-2 0,2-2 0,16 23 0,8-7 0,9 2 0,-4-18 0,4-2 0,4 1-499,-3-1 1,3 0 0,1 0 0,2-1 498,3 1 0,2-1 0,1-2 0,1-2 0,3-1 0,2-2 0,0-2 0,0 0 0,1 1 0,-1-1 0,2-1 0,1-2 0,4-2 0,1-2 0,2-1 0,1 0-726,-10-3 1,0 0 0,1 0 0,3-1 0,2-1 725,-5-1 0,3-1 0,2-1 0,1 1 0,0-1 0,-2 0 0,-2 0-791,-1 0 0,-3 0 1,-1 0-1,1 0 0,0 0 1,2-1 790,1 0 0,4-1 0,0 0 0,1 0 0,-2 0 0,-4-1 0,-5 1 0,4 0 0,-6-1 0,-1 0 0,2 0-164,8-1 1,2 0-1,0 0 1,-2-1 163,7 2 0,-3-1 0,1 0 0,-1 0 0,1-2 0,-2 1-49,-5-1 1,0 0 0,-4-1 48,4 0 0,-4-2 764,-3-3 0,-3-3-764,-12 1 0,-2-3 2553,0-4 0,-3-4-2553,14-19 0,-6-5 0,-5 1 0,2-5 0,-3-3 0,1-5 140,-2 6 1,2-3-1,-1-3-140,-9 7 0,0-1 0,-1-2 0,0 0 77,2-2 0,0 0 1,0-1-1,-1-1-77,0-6 0,0-1 0,-1 0 0,0 0 0,1 2 0,0 1 0,0 0 0,0 1 0,-1 3 0,-1 0 0,0 2 0,-1 4 0,0 1 0,-1 3 0,-1 2 0,10-16 0,-4 6 306,0-3-306,-7 22 0,0-1 0,1-5 0,1 0 0,4 4 0,-1 1 0,-3 2 0,-1 0 0,19-18 1200,-12 19-1200,4 0 1902,1 5-1902,9-1 0,-5 5 0,8-4 929,-5 7-929,7-3 0,-6 4 0,0-4 0,-10 5 0,5-10 0,-7 0 0,-1-10 0,-7-8 0,-11-15 0,-5 22 0,-1-2 0,0-5 0,-2-1 0,0-7 0,-2 0 0,-2 2 0,-3 0 0,-1-6 0,-2 2 0,-1 3 0,-3 1 0,0-2 0,-1 0 0,0 4 0,0 3 0,3 7 0,-1 4 0,-10-24 0,10 21 0,-1 5 0,3 4 0,-8-3 0,5 7 0,-5-3 0,1 4 0,-1 0 0,-4-1 0,-15-12 0,14 15 0,-2-1 0,-5-3 0,-5-1 0,-12-7 0,-3 1 0,8 8 0,-4 2-375,-2 2 0,-4 0 0,-2 4 375,1 5 0,-1 3 0,-4 1 0,4 1 0,-3 0 0,-2 1 0,0 1 0,-1 1 0,0 1 0,-1 1 0,0 2 0,-2-1 0,0 2 0,1 1 0,0 2-386,5 1 0,1 2 1,0 0-1,1 2 386,2 0 0,-1 2 0,3 0 0,4 1 0,-16 8 0,5 2 0,-1-2 0,5 2 0,15-3 0,3 0 0,-4 2 0,-1 2 0,3 1 0,-1 2 0,5-3 0,-17 11 0,3 5 0</inkml:trace>
+  <inkml:trace contextRef="#ctx0" brushRef="#br0" timeOffset="20418">1675 11802 24575,'56'27'0,"-17"-9"0,2 2 0,3 9 0,0 2 0,1-4 0,-1-1 0,-5 2 0,-2 1 0,1 0 0,-2-3 0,16 11 0,-21-13 0,-3-1 0,2 2 0,-3-2 0,-8-4 0,-6-6 0,-1-1 0,-8-6 0,4 0 0,-8-3 0,3-3 0</inkml:trace>
+  <inkml:trace contextRef="#ctx0" brushRef="#br0" timeOffset="21183">1829 12414 11867,'-3'-5'0,"0"-10"3884,12-50-3884,-2 32 0,3-6 0,6-8 0,5-10 0,2-1 0,-3 7 0,-3 7 0,0 4 0,1-2 0,4-5 0,2-5 0,1 2 0,-5 8 0,-1 5 0,-4 6 2409,9-9-2409,-11 23 0,-10 14 0,0 3 0</inkml:trace>
+  <inkml:trace contextRef="#ctx0" brushRef="#br0" timeOffset="22382">2309 12389 8191,'6'-4'0,"10"-12"5063,7-10-5063,4-3 2818,-6 11-2818,-5 5 1719,-9 9-1719,-1-1 6784,-1-2-6784,2 3 0,-3-4 0,5 4 0,-6-2 0,7-3 0,2 2 0,-1-5 0,4 8 0,-8-7 0,1 10 0,-2-2 0,0 9 0,0 8 0,5 9 0,1 0 0,4 8 0,-2-8 0,5 13 0,-7-15 0,1 5 0,-6-12 0,-1-4 0,3 5 0,-5-8 0,2 4 0,-6-8 0,0 0 0</inkml:trace>
+  <inkml:trace contextRef="#ctx0" brushRef="#br0" timeOffset="23083">2912 12055 14245,'4'-3'0,"17"0"4268,3 3-4268,32 0 1789,0 0-1789,-21 0 0,0 0 976,21 0-976,-12 0 3297,-16 0-3297,-9 0 0,-7 0 0,-3 0 0,-6 0 0,-1 0 0</inkml:trace>
+  <inkml:trace contextRef="#ctx0" brushRef="#br0" timeOffset="23999">2987 11916 24575,'50'0'0,"-7"0"0,-6-1 0,1-2 0,10-6 0,-13 5 0,-1-2 0,11-6 0,-1 3 0,-7 4 0,-8-2 0,-7 7 0,-6-3 0,-5 3 0,-7 0 0,2 0 0</inkml:trace>
+  <inkml:trace contextRef="#ctx0" brushRef="#br0" timeOffset="26483">4145 11823 24575,'0'54'0,"0"9"0,0-1 0,0-8 0,0-7 0,13-5 0,5-15 0,9 5 0,-1-24 0,-4 2 0,0-9 0,0 2 0,0-3 0,-7 0 0,5 0 0,-11-9 0,4-4 0,-1-13 0,-7-7 0,6-31 0,-10 31 0,-1-2 0,2-14 0,0-1 0,-1 11 0,-2 0 0,0 3 0,-4 2 0,-13-9 0,-16 18 0,-7 15 0,-2 6 0,-19 8 0,4 20 0,-3-8 0,12 19 0,20-16 0,13 3 0,3-9 0,10-1 0,3-6 0,0 0 0,0 0 0,3 0 0,12 1 0,0 0 0,50 5 0,-25-7 0,-6-1 0,-1-1 0,9-3 0,-9-3 0,2-14 0,-3-1 0,1-30 0,1 5 0,-6-13 0,-7 19 0,-10 9 0,-5 16 0,-1 6 0,-2 3 0,7 28 0,3 6 0,-1 15 0,6 7 0,0-7 0,1 4 0,3 5 0,-5-16 0,0 3 0,-5-14 0,3-2 0,-8-11 0,3-2 0,-4-7 0,0 0 0,0 0 0,3-2 0,-2-2 0,8-2 0,2 0 0,4-2 0,2-18 0,-5-12 0,1-22 0,-8-1 0,4 4 0,-8 8 0,3 17 0,-6 6 0,2 10 0,-3 4 0,0 0 0,3 3 0,-3 0 0,3 6 0,0 7 0,9 33 0,-1-4 0,-2-9 0,1 2 0,9 16 0,-5-18 0,0-1 0,11 20 0,1 2 0,-10-20 0,-5-9 0,-4-3 0,-1-12 0,-6-5 0,0-8 0,-3-8 0,0-9 0,0 0 0,0-13 0,0 7 0,0-22 0,0 1 0,3 0 0,1 9 0,4 14 0,2 9 0,4-5 0,0 11 0,2-4 0,-3 9 0,7 1 0,-3-1 0,6 3 0,-12 1 0,-3 3 0</inkml:trace>
+  <inkml:trace contextRef="#ctx0" brushRef="#br0" timeOffset="28299">5399 11362 13132,'-3'7'0,"0"20"4567,3-4-4567,0 18 0,0-9 0,0 6 1988,4 5-1988,-3-5 1100,6-1-1100,-3-9 3788,1 8-3788,0-12 0,-4 8 0,2-13 0,-3-2 0,0 4 0,0 0 0,0 5 0,0-2 0,0-5 0,0-6 0,0-5 0,0-2 0,0 6 0,0-2 0,0 6 0,0 1 0,3-2 0,-2 5 0,5 4 0,-5-4 0,2 5 0,-3-11 0,0 2 0,0-4 0,0-2 0,0-2 0,0 1 0,0-3 0,0 3 0,2-4 0,-1 1 0,2 0 0,-3 0 0,2-3 0,1-3 0,4-11 0,-1-4 0,5-21 0,1-4 0,3-14 0,0 4 0,0 1 0,-1 12 0,0 2 0,-1 11 0,0 1 0,-3 7 0,2 2 0,-1 5 0,2 5 0,18 1 0,-5 3 0,26 0 0,-12 0 0,14 0 0,11 15 0,-28 0 0,0 2 0,-5-4 0,-1 3 0,-3 4 0,-2 0 0,0-4 0,-7 2 0,-4-4 0,-6-4 0,-2 3 0,-4 3 0,0 5 0,-16 6 0,-14 2 0,-20 1 0,-13-3 0,26-12 0,-1-2 0,0-2 0,0-1 0,2-1 0,0-1 0,-20 4 0,15-8 0,5 0 0,11-4 0,1 0 0,9 0 0,9 0 0,0 0 0</inkml:trace>
+  <inkml:trace contextRef="#ctx0" brushRef="#br0" timeOffset="43015">802 11981 8191,'2'1'0,"12"13"5063,34 32-5063,-17-20 0,0 0 0,-1 0 0,-1-1 2818,19 15-2818,-20-22 1719,-4 0-1719,-4-4 6784,-10-5-6784,-5-6 0,-4 3 0,1-3 0,1 3 0,-3 0 0,3 0 0,-3 0 0,3 0 0,0 0 0,0 0 0,3 0 0,-6 0 0,6 0 0,-6 0 0,6 3 0,-3 0 0,3 0 0,6 22 0,3-2 0,6 17 0,-3-7 0,-1-11 0,-7-1 0,-1-11 0,-5-6 0,-1-5 0</inkml:trace>
+  <inkml:trace contextRef="#ctx0" brushRef="#br0" timeOffset="43851">975 12619 24575,'-4'-39'0,"16"-25"0,0 8 0,4-4 0,2-2 0,5 0 0,-4 15 0,3-1 0,-2 2 0,1-12 0,-2 3-977,2 4 1,-2 3 976,-7 14 0,-2 3 0,8-23 629,-6 25-629,0-6 323,-5 12-323,0 0 0,-3 9 0,-1 1 1001,0 3-1001,1-6 0,2 0 0,0 5 0,3 3 0,-5 8 0,1 0 0</inkml:trace>
+  <inkml:trace contextRef="#ctx0" brushRef="#br0" timeOffset="44983">1289 12434 24575,'0'39'0,"0"-2"0,0 12 0,0-9 0,0-14 0,0-7 0,0-14 0,9-4 0,5-3 0,6-4 0,2 0 0,-5-1 0,-2 1 0,-3 0 0,0 3 0,0-3 0,0 3 0,0 0 0,-3-3 0,0 6 0,0-3 0,0 0 0,0 3 0,0-6 0,-3 5 0,0-4 0,-3 4 0,0-1 0</inkml:trace>
+  <inkml:trace contextRef="#ctx0" brushRef="#br0" timeOffset="46051">1506 12521 24575,'0'12'0,"0"-3"0,0 7 0,0-5 0,0 3 0,0 6 0,0-2 0,0 3 0,0-1 0,0-4 0,0 1 0,0 2 0,0 0 0,0-3 0,0 0 0,0-7 0,0 0 0,0-4 0,2 1 0,-1 0 0,1 0 0,1 3 0,-2 1 0,5 3 0,-6 1 0,6-4 0,-5 2 0,1-5 0,1 2 0,-2-3 0,2 0 0,-3 0 0,0-2 0,0-2 0</inkml:trace>
+  <inkml:trace contextRef="#ctx0" brushRef="#br0" timeOffset="47001">1755 12320 24575,'0'25'0,"0"7"0,0 22 0,0-3 0,0 2 0,0-17 0,0-1 0,0-12 0,0-6 0,0-2 0,0-5 0,0 0 0,0 0 0,0-1 0,0 1 0,0 0 0,0 3 0,0-6 0,0 8 0,0-8 0,0 9 0,0-10 0,0 7 0,0-3 0,0 6 0,0-2 0,0-1 0,0 2 0,0-8 0,0 11 0,0 6 0,0-11 0,0 7 0</inkml:trace>
+  <inkml:trace contextRef="#ctx0" brushRef="#br0" timeOffset="48536">26758 12078 8191,'5'10'0,"17"12"0,10 4 2443,3 3 1,3 2-2444,1 0 0,3 2 0,-2-1 0,8 4 0,-4-1 1420,-5-6 0,-3-2-1420,14 11 0,-24-20 1741,-2-2-1741,-15-9 6718,0-1-6718,-3 0 198,3 0-198,0 0 0,-2 0 0,5 3 0,-5-2 0,2 2 0,-3-3 0,0 0 0,-3-1 0,2-1 0,-4-2 0,1-2 0</inkml:trace>
+  <inkml:trace contextRef="#ctx0" brushRef="#br0" timeOffset="49350">26779 12632 24575,'21'-28'0,"0"1"0,-2 0 0,1-2 0,4-3 0,2-2-1331,0-2 1,1-2 1330,0-2 0,1-2 0,5-9 0,1 0 423,-1 3 0,-1 1-423,-5 2 0,-1 3 219,-2 10 0,-3 5-219,-2 0 0,-10 10 0,-1 15 1377,-7-8-1377,7 9 0,-4-5 0,1 6 0,-1 0 0,-2 0 0</inkml:trace>
+  <inkml:trace contextRef="#ctx0" brushRef="#br0" timeOffset="50418">27371 12724 24575,'44'-31'0,"0"1"0,-12 6 0,-1-1 0,11-6 0,-4 1 0,-14 19 0,-9 3 0,0 5 0,-9 3 0,-2 5 0,2 22 0,1 3 0,1 20 0,6-6 0,-9-8 0,4-11 0,-8-9 0,1-7 0,-2-2 0,0 2 0,0-3 0,0 0 0,0 0 0,0 3 0,0-5 0,0 2 0</inkml:trace>
+  <inkml:trace contextRef="#ctx0" brushRef="#br0" timeOffset="51150">27953 12701 10653,'0'19'0,"0"12"5031,0 13-5031,0 7 0,0-19 0,0 5 2422,0-5-2422,0-4 1395,0-6-1395,0-4 5074,0-5-5074,0-3 0,0-1 0,0-3 0,0 0 0,0 3 0,-3 0 0,3-2 0,-3-1 0</inkml:trace>
+  <inkml:trace contextRef="#ctx0" brushRef="#br0" timeOffset="52051">28141 12239 24575,'22'0'0,"10"0"0,6 4 0,7 5 0,8 9 0,-3 5 0,-9-4 0,6 6 0,-13-8 0,0 8 0,4-1 0,-15-3 0,-3-6 0,-4 6 0,-3 0 0,4 8 0,4 5 0,-1-5 0,-6-8 0,-1-6 0,-10-3 0,5-2 0,-4 6 0,8-3 0,-1 0 0,3 5 0,-1-4 0,1 3 0,-1-4 0,-3-3 0,0 0 0,-4-4 0,0 0 0,0 0 0,0-3 0,-3 0 0,0-3 0</inkml:trace>
+  <inkml:trace contextRef="#ctx0" brushRef="#br0" timeOffset="52751">28065 12701 24575,'33'-30'0,"1"-1"0,8-6 0,3-4 0,-7 4 0,2-3 0,-3 3-1458,5-5 1,-1 2 1457,4-5 0,-2 1 423,-15 11 0,-1 2-423,0 0 0,-1 0 0,0 2 0,-2 2 497,9-11-497,-21 25 0,4 1 0,-9 3 377,2 5 0,-5 2 0,-2 2 0</inkml:trace>
+  <inkml:trace contextRef="#ctx0" brushRef="#br0" timeOffset="53652">28876 12545 24575,'6'25'0,"-1"-4"0,5 2 0,-3-11 0,-4 9 0,0-11 0,14 0 0,11-5 0,24-5 0,-11-3 0,3-1 0,-16-8 0,-1 4 0,4-7 0,-7 3 0,2 0 0,-4-2 0,-7 6 0,1 1 0,-9 2 0,2 2 0,-3-1 0,0 1 0,-2 1 0,-2 1 0,-2-1 0</inkml:trace>
+  <inkml:trace contextRef="#ctx0" brushRef="#br0" timeOffset="54651">29189 12503 24575,'0'62'0,"0"4"0,0-5 0,0-7 0,0-10 0,0-13 0,3-6 0,-2-9 0,1-1 0,-2 6 0,0-3 0,3 5 0,-2-9 0,2-1 0,0-3 0,-3 3 0,3-4 0,-3 1 0,0-1 0,0-3 0,3-3 0,-3 2 0,3-4 0,-3 2 0</inkml:trace>
+  <inkml:trace contextRef="#ctx0" brushRef="#br0" timeOffset="61102">29716 12396 8191,'12'4'0,"13"-2"5063,19-2-5063,2 0 2818,-8 0-2818,-17 0 1719,-5 0-1719,-9 0 6784,2 0-6784,-3 0 0,0 0 0,6 0 0,-3 0 0,10 0 0,-3 0 0,3 0 0,-2 0 0,1 0 0,-4 0 0,-5 0 0,-4 0 0</inkml:trace>
+  <inkml:trace contextRef="#ctx0" brushRef="#br0" timeOffset="61999">29695 12314 24575,'16'0'0,"20"0"0,10 0 0,10 0 0,-3 0 0,-23 0 0,-3 0 0,-17 0 0,-1 0 0,-3 0 0,0 0 0,3 0 0,-3 0 0,3 0 0,-3 0 0,-1 0 0,1 0 0,0 0 0,0 0 0,0 0 0,0 0 0,0 0 0,-3 0 0,0 0 0</inkml:trace>
+  <inkml:trace contextRef="#ctx0" brushRef="#br0" timeOffset="65165">30484 12237 8191,'1'7'0,"-3"5"5063,-4 12-5063,-2-1 2818,0 8-2818,4 11 1719,0-2-1719,4 7 6784,0-10-6784,0 10 0,0-15 0,11 10 0,11-17 0,18-4 0,14-7 0,6-7 0,-20-16 0,1-7 0,-3-6 0,-2-5 0,4-4 0,-4-4-268,-11 1 0,-3-1 268,10-19 0,-12 6 0,-7 3 0,-2 4 0,-13 6 0,-6 17 0,-9 2 536,-6 12-536,-5-2 0,-4 5 0,0-3 0,0 4 0,-5 0 0,4 0 0,-5 4 0,-14 21 0,13 1 0,-9 18 0,26-8 0,12-1 0,7 1 0,3-5 0,0 0 0,19-10 0,10-1 0,21-12 0,13-1 0,-21-10 0,7-5 0,-26-4 0,5-7 0,-5-1 0,-4 0 0,3-8 0,-11 16 0,2-11 0,-7 16 0,0-2 0,0 6 0,-2-3 0,4 8 0,-4 10 0,6 4 0,9 34 0,2-3 0,-6-15 0,2 0 0,18 23 0,-2-14 0,8-11 0,-1-9 0,-6-13 0,-2-2 0,-1-6 0,3-3 0,-3-1 0,-4-10 0,-13 3 0,0-6 0,-4-1 0,4 0 0,-6-4 0,2 4 0,-3-3 0,0 3 0,0-4 0,-3-1 0,3 1 0,-6-6 0,2 6 0,-3-2 0,0 11 0,3 10 0,4 29 0,1 2 0,4 20 0,-4-7 0,4-3 0,1 1 0,4-2 0,-5-10 0,-1 0 0,-4-9 0,0-4 0,-1-5 0,0-3 0,-3 0 0,0-5 0,-3-11 0,0-15 0,0-21 0,4-9 0,3-9 0,2 14 0,6 9 0,-7 18 0,5 5 0,-6 5 0,3-1 0,3 1 0,1-3 0,2 8 0,-2-4 0,-2 8 0,-2-2 0,6-1 0,-2 0 0,2 3 0,-8 1 0,-2 3 0</inkml:trace>
+  <inkml:trace contextRef="#ctx0" brushRef="#br0" timeOffset="66415">32163 11654 24575,'0'35'0,"0"25"0,0-12 0,0 3 0,0-3 0,0-1 0,0 0 0,0-3 0,0 7 0,0 3 0,0 9 0,0-8 0,0 7 0,0-25 0,0-9 0,0 8 0,0-19 0,0 13 0,0-22 0,0 18 0,0-14 0,0 11 0,0-13 0,0 2 0,0-5 0,0 2 0,0-23 0,4-26 0,4-20 0,-2 18 0,1-1 0,6-19 0,-1 9 0,-1 22 0,-3 9 0,3 3 0,-5 5 0,4 5 0,0 2 0,3 1 0,0-1 0,4 3 0,1 1 0,14 3 0,-8 0 0,8 0 0,-6 0 0,17 3 0,-5 4 0,1 10 0,-19 4 0,-13 9 0,-4 6 0,-21 10 0,-12 5 0,-11-8 0,-2-7 0,-5-8 0,12-14 0,-14 5 0,16-15 0,-2 0 0,4-4 0,0 0 0,0 0 0,-1-12 0,-1-2 0,5-11 0,0 0 0,16 12 0,2 2 0</inkml:trace>
+  <inkml:trace contextRef="#ctx0" brushRef="#br0" timeOffset="67482">32774 12380 8191,'0'9'0,"0"3"5063,0-6-5063,0 3 2818,6-1-2818,4-4 1719,4 2-1719,2-6 6784,0 0-6784,-5 0 0,-2-10 0,-6 2 0,-3-14 0,0-2 0,-6-1 0,-6 6 0,-2 1 0,-17 17 0,0-5 0,-3 6 0,6 9 0,18 9 0,4 14 0,6 0 0,10-3 0,-2-12 0,10-7 0,-5-3 0,3-1 0,-5-2 0,1-1 0,-6-3 0,-3-5 0,0 1 0,-3-5 0,0 3 0,0 0 0,-3 0 0,2 2 0,-1 2 0</inkml:trace>
+</inkml:ink>
+</file>
+
 <file path=ppt/notesMasters/notesMaster1.xml><?xml version="1.0" encoding="utf-8"?>
 <p:notesMaster xmlns:a="http://schemas.openxmlformats.org/drawingml/2006/main" xmlns:r="http://schemas.openxmlformats.org/officeDocument/2006/relationships" xmlns:p="http://schemas.openxmlformats.org/presentationml/2006/main">
   <p:cSld>
@@ -215,7 +364,7 @@
           <a:p>
             <a:fld id="{5372C89E-AE76-CF41-9C0B-87D42EF69527}" type="datetimeFigureOut">
               <a:rPr lang="en-US" smtClean="0"/>
-              <a:t>4/25/23</a:t>
+              <a:t>4/26/23</a:t>
             </a:fld>
             <a:endParaRPr lang="en-US"/>
           </a:p>
@@ -632,7 +781,7 @@
           <a:p>
             <a:fld id="{CE7CEC8C-9811-A048-B7D7-FD07B4F94233}" type="datetime1">
               <a:rPr lang="en-US" smtClean="0"/>
-              <a:t>4/25/23</a:t>
+              <a:t>4/26/23</a:t>
             </a:fld>
             <a:endParaRPr lang="en-US"/>
           </a:p>
@@ -816,7 +965,7 @@
           <a:p>
             <a:fld id="{5D90BC7E-6368-7F4D-B2C7-331AA1D9EB82}" type="datetime1">
               <a:rPr lang="en-US" smtClean="0"/>
-              <a:t>4/25/23</a:t>
+              <a:t>4/26/23</a:t>
             </a:fld>
             <a:endParaRPr lang="en-US" dirty="0"/>
           </a:p>
@@ -1039,7 +1188,7 @@
           <a:p>
             <a:fld id="{DA03AEEE-85E4-544F-91F5-B1A2BD926850}" type="datetime1">
               <a:rPr lang="en-US" smtClean="0"/>
-              <a:t>4/25/23</a:t>
+              <a:t>4/26/23</a:t>
             </a:fld>
             <a:endParaRPr lang="en-US" dirty="0"/>
           </a:p>
@@ -1561,7 +1710,7 @@
           <a:p>
             <a:fld id="{37933D8E-D364-8240-A60C-26399CB68CEB}" type="datetime1">
               <a:rPr lang="en-US" smtClean="0"/>
-              <a:t>4/25/23</a:t>
+              <a:t>4/26/23</a:t>
             </a:fld>
             <a:endParaRPr lang="en-US" dirty="0"/>
           </a:p>
@@ -1650,7 +1799,7 @@
           <a:p>
             <a:fld id="{4E624916-9C45-6F4C-9436-3AD258D25C57}" type="datetime1">
               <a:rPr lang="en-US" smtClean="0"/>
-              <a:t>4/25/23</a:t>
+              <a:t>4/26/23</a:t>
             </a:fld>
             <a:endParaRPr lang="en-AT"/>
           </a:p>
@@ -1832,7 +1981,7 @@
           <a:p>
             <a:fld id="{4E624916-9C45-6F4C-9436-3AD258D25C57}" type="datetime1">
               <a:rPr lang="en-US" smtClean="0"/>
-              <a:t>4/25/23</a:t>
+              <a:t>4/26/23</a:t>
             </a:fld>
             <a:endParaRPr lang="en-AT"/>
           </a:p>
@@ -3066,7 +3215,7 @@
           <a:p>
             <a:fld id="{4E624916-9C45-6F4C-9436-3AD258D25C57}" type="datetime1">
               <a:rPr lang="en-US" smtClean="0"/>
-              <a:t>4/25/23</a:t>
+              <a:t>4/26/23</a:t>
             </a:fld>
             <a:endParaRPr lang="en-AT"/>
           </a:p>
@@ -4054,6 +4203,57 @@
           </a:fontRef>
         </p:style>
       </p:cxnSp>
+      <mc:AlternateContent xmlns:mc="http://schemas.openxmlformats.org/markup-compatibility/2006">
+        <mc:Choice xmlns:p14="http://schemas.microsoft.com/office/powerpoint/2010/main" Requires="p14">
+          <p:contentPart p14:bwMode="auto" r:id="rId5">
+            <p14:nvContentPartPr>
+              <p14:cNvPr id="8" name="Ink 7">
+                <a:extLst>
+                  <a:ext uri="{FF2B5EF4-FFF2-40B4-BE49-F238E27FC236}">
+                    <a16:creationId xmlns:a16="http://schemas.microsoft.com/office/drawing/2014/main" id="{326041B8-FA6E-96EE-BA3B-BEA46E1EB02C}"/>
+                  </a:ext>
+                </a:extLst>
+              </p14:cNvPr>
+              <p14:cNvContentPartPr/>
+              <p14:nvPr/>
+            </p14:nvContentPartPr>
+            <p14:xfrm>
+              <a:off x="1332360" y="2610720"/>
+              <a:ext cx="6205680" cy="2002320"/>
+            </p14:xfrm>
+          </p:contentPart>
+        </mc:Choice>
+        <mc:Fallback>
+          <p:pic>
+            <p:nvPicPr>
+              <p:cNvPr id="8" name="Ink 7">
+                <a:extLst>
+                  <a:ext uri="{FF2B5EF4-FFF2-40B4-BE49-F238E27FC236}">
+                    <a16:creationId xmlns:a16="http://schemas.microsoft.com/office/drawing/2014/main" id="{326041B8-FA6E-96EE-BA3B-BEA46E1EB02C}"/>
+                  </a:ext>
+                </a:extLst>
+              </p:cNvPr>
+              <p:cNvPicPr/>
+              <p:nvPr/>
+            </p:nvPicPr>
+            <p:blipFill>
+              <a:blip r:embed="rId6"/>
+              <a:stretch>
+                <a:fillRect/>
+              </a:stretch>
+            </p:blipFill>
+            <p:spPr>
+              <a:xfrm>
+                <a:off x="1323000" y="2601360"/>
+                <a:ext cx="6224400" cy="2021040"/>
+              </a:xfrm>
+              <a:prstGeom prst="rect">
+                <a:avLst/>
+              </a:prstGeom>
+            </p:spPr>
+          </p:pic>
+        </mc:Fallback>
+      </mc:AlternateContent>
     </p:spTree>
     <p:extLst>
       <p:ext uri="{BB962C8B-B14F-4D97-AF65-F5344CB8AC3E}">
@@ -4137,7 +4337,7 @@
           <a:p>
             <a:fld id="{4E624916-9C45-6F4C-9436-3AD258D25C57}" type="datetime1">
               <a:rPr lang="en-US" smtClean="0"/>
-              <a:t>4/25/23</a:t>
+              <a:t>4/26/23</a:t>
             </a:fld>
             <a:endParaRPr lang="en-AT"/>
           </a:p>
@@ -4361,7 +4561,7 @@
           <a:p>
             <a:fld id="{4E624916-9C45-6F4C-9436-3AD258D25C57}" type="datetime1">
               <a:rPr lang="en-US" smtClean="0"/>
-              <a:t>4/25/23</a:t>
+              <a:t>4/26/23</a:t>
             </a:fld>
             <a:endParaRPr lang="en-AT"/>
           </a:p>
@@ -4696,6 +4896,93 @@
           </a:prstGeom>
         </p:spPr>
       </p:pic>
+      <p:pic>
+        <p:nvPicPr>
+          <p:cNvPr id="7" name="Picture 6">
+            <a:extLst>
+              <a:ext uri="{FF2B5EF4-FFF2-40B4-BE49-F238E27FC236}">
+                <a16:creationId xmlns:a16="http://schemas.microsoft.com/office/drawing/2014/main" id="{1D510D3C-8D0E-F39B-0AE4-8FF13DE4CE5D}"/>
+              </a:ext>
+            </a:extLst>
+          </p:cNvPr>
+          <p:cNvPicPr>
+            <a:picLocks noChangeAspect="1"/>
+          </p:cNvPicPr>
+          <p:nvPr/>
+        </p:nvPicPr>
+        <p:blipFill rotWithShape="1">
+          <a:blip r:embed="rId4"/>
+          <a:srcRect b="10640"/>
+          <a:stretch/>
+        </p:blipFill>
+        <p:spPr>
+          <a:xfrm>
+            <a:off x="5384343" y="1726167"/>
+            <a:ext cx="5013604" cy="3453911"/>
+          </a:xfrm>
+          <a:prstGeom prst="rect">
+            <a:avLst/>
+          </a:prstGeom>
+        </p:spPr>
+      </p:pic>
+      <p:sp>
+        <p:nvSpPr>
+          <p:cNvPr id="10" name="TextBox 9">
+            <a:extLst>
+              <a:ext uri="{FF2B5EF4-FFF2-40B4-BE49-F238E27FC236}">
+                <a16:creationId xmlns:a16="http://schemas.microsoft.com/office/drawing/2014/main" id="{51DB63CD-FBC2-056A-CC5E-CB59DCCA5E28}"/>
+              </a:ext>
+            </a:extLst>
+          </p:cNvPr>
+          <p:cNvSpPr txBox="1"/>
+          <p:nvPr/>
+        </p:nvSpPr>
+        <p:spPr>
+          <a:xfrm>
+            <a:off x="5183624" y="5180078"/>
+            <a:ext cx="5172120" cy="1477328"/>
+          </a:xfrm>
+          <a:prstGeom prst="rect">
+            <a:avLst/>
+          </a:prstGeom>
+          <a:noFill/>
+        </p:spPr>
+        <p:txBody>
+          <a:bodyPr wrap="square" rtlCol="0">
+            <a:spAutoFit/>
+          </a:bodyPr>
+          <a:lstStyle/>
+          <a:p>
+            <a:r>
+              <a:rPr lang="en-GB" sz="2400" dirty="0">
+                <a:effectLst/>
+                <a:latin typeface="Helvetica" pitchFamily="2" charset="0"/>
+              </a:rPr>
+              <a:t>I. </a:t>
+            </a:r>
+            <a:r>
+              <a:rPr lang="en-GB" sz="2400" dirty="0" err="1">
+                <a:effectLst/>
+                <a:latin typeface="Helvetica" pitchFamily="2" charset="0"/>
+              </a:rPr>
+              <a:t>Tulkki</a:t>
+            </a:r>
+            <a:r>
+              <a:rPr lang="en-GB" sz="2400" dirty="0">
+                <a:effectLst/>
+                <a:latin typeface="Helvetica" pitchFamily="2" charset="0"/>
+              </a:rPr>
+              <a:t>, “Implementing backdoor data poisoning attacks,” Bachelor thesis, 2023</a:t>
+            </a:r>
+          </a:p>
+          <a:p>
+            <a:endParaRPr lang="en-GB" dirty="0">
+              <a:effectLst/>
+              <a:latin typeface="Helvetica" pitchFamily="2" charset="0"/>
+            </a:endParaRPr>
+          </a:p>
+        </p:txBody>
+      </p:sp>
     </p:spTree>
     <p:extLst>
       <p:ext uri="{BB962C8B-B14F-4D97-AF65-F5344CB8AC3E}">
@@ -4779,7 +5066,7 @@
           <a:p>
             <a:fld id="{4E624916-9C45-6F4C-9436-3AD258D25C57}" type="datetime1">
               <a:rPr lang="en-US" smtClean="0"/>
-              <a:t>4/25/23</a:t>
+              <a:t>4/26/23</a:t>
             </a:fld>
             <a:endParaRPr lang="en-AT"/>
           </a:p>
@@ -5096,7 +5383,7 @@
           <a:p>
             <a:fld id="{5D90BC7E-6368-7F4D-B2C7-331AA1D9EB82}" type="datetime1">
               <a:rPr lang="en-US" smtClean="0"/>
-              <a:t>4/25/23</a:t>
+              <a:t>4/26/23</a:t>
             </a:fld>
             <a:endParaRPr lang="en-US" dirty="0"/>
           </a:p>
@@ -5437,7 +5724,7 @@
           <a:p>
             <a:fld id="{5D90BC7E-6368-7F4D-B2C7-331AA1D9EB82}" type="datetime1">
               <a:rPr lang="en-US" smtClean="0"/>
-              <a:t>4/25/23</a:t>
+              <a:t>4/26/23</a:t>
             </a:fld>
             <a:endParaRPr lang="en-US" dirty="0"/>
           </a:p>
@@ -5592,6 +5879,57 @@
           </a:p>
         </p:txBody>
       </p:sp>
+      <mc:AlternateContent xmlns:mc="http://schemas.openxmlformats.org/markup-compatibility/2006">
+        <mc:Choice xmlns:p14="http://schemas.microsoft.com/office/powerpoint/2010/main" Requires="p14">
+          <p:contentPart p14:bwMode="auto" r:id="rId3">
+            <p14:nvContentPartPr>
+              <p14:cNvPr id="6" name="Ink 5">
+                <a:extLst>
+                  <a:ext uri="{FF2B5EF4-FFF2-40B4-BE49-F238E27FC236}">
+                    <a16:creationId xmlns:a16="http://schemas.microsoft.com/office/drawing/2014/main" id="{E9BD47A7-AC93-B9AB-7904-5C70D4D053E0}"/>
+                  </a:ext>
+                </a:extLst>
+              </p14:cNvPr>
+              <p14:cNvContentPartPr/>
+              <p14:nvPr/>
+            </p14:nvContentPartPr>
+            <p14:xfrm>
+              <a:off x="3252600" y="2668680"/>
+              <a:ext cx="4358520" cy="2684880"/>
+            </p14:xfrm>
+          </p:contentPart>
+        </mc:Choice>
+        <mc:Fallback>
+          <p:pic>
+            <p:nvPicPr>
+              <p:cNvPr id="6" name="Ink 5">
+                <a:extLst>
+                  <a:ext uri="{FF2B5EF4-FFF2-40B4-BE49-F238E27FC236}">
+                    <a16:creationId xmlns:a16="http://schemas.microsoft.com/office/drawing/2014/main" id="{E9BD47A7-AC93-B9AB-7904-5C70D4D053E0}"/>
+                  </a:ext>
+                </a:extLst>
+              </p:cNvPr>
+              <p:cNvPicPr/>
+              <p:nvPr/>
+            </p:nvPicPr>
+            <p:blipFill>
+              <a:blip r:embed="rId4"/>
+              <a:stretch>
+                <a:fillRect/>
+              </a:stretch>
+            </p:blipFill>
+            <p:spPr>
+              <a:xfrm>
+                <a:off x="3243240" y="2659320"/>
+                <a:ext cx="4377240" cy="2703600"/>
+              </a:xfrm>
+              <a:prstGeom prst="rect">
+                <a:avLst/>
+              </a:prstGeom>
+            </p:spPr>
+          </p:pic>
+        </mc:Fallback>
+      </mc:AlternateContent>
     </p:spTree>
     <p:extLst>
       <p:ext uri="{BB962C8B-B14F-4D97-AF65-F5344CB8AC3E}">
@@ -5680,7 +6018,7 @@
           <a:p>
             <a:fld id="{5D90BC7E-6368-7F4D-B2C7-331AA1D9EB82}" type="datetime1">
               <a:rPr lang="en-US" smtClean="0"/>
-              <a:t>4/25/23</a:t>
+              <a:t>4/26/23</a:t>
             </a:fld>
             <a:endParaRPr lang="en-US" dirty="0"/>
           </a:p>
@@ -5881,8 +6219,8 @@
           </a:p>
         </p:txBody>
       </p:sp>
-      <mc:AlternateContent xmlns:mc="http://schemas.openxmlformats.org/markup-compatibility/2006">
-        <mc:Choice xmlns:a14="http://schemas.microsoft.com/office/drawing/2010/main" Requires="a14">
+      <mc:AlternateContent xmlns:mc="http://schemas.openxmlformats.org/markup-compatibility/2006" xmlns:a14="http://schemas.microsoft.com/office/drawing/2010/main">
+        <mc:Choice Requires="a14">
           <p:sp>
             <p:nvSpPr>
               <p:cNvPr id="17" name="TextBox 16">
@@ -5911,6 +6249,7 @@
               </a:bodyPr>
               <a:lstStyle/>
               <a:p>
+                <a:pPr/>
                 <a14:m>
                   <m:oMathPara xmlns:m="http://schemas.openxmlformats.org/officeDocument/2006/math">
                     <m:oMathParaPr>
@@ -5938,7 +6277,7 @@
                       <m:d>
                         <m:dPr>
                           <m:ctrlPr>
-                            <a:rPr lang="de-DE" sz="2800" b="1" smtClean="0">
+                            <a:rPr lang="de-DE" sz="2800" b="1" i="1" smtClean="0">
                               <a:latin typeface="Cambria Math" panose="02040503050406030204" pitchFamily="18" charset="0"/>
                             </a:rPr>
                           </m:ctrlPr>
@@ -5966,7 +6305,7 @@
             </p:txBody>
           </p:sp>
         </mc:Choice>
-        <mc:Fallback>
+        <mc:Fallback xmlns="">
           <p:sp>
             <p:nvSpPr>
               <p:cNvPr id="17" name="TextBox 16">
@@ -6011,8 +6350,8 @@
           </p:sp>
         </mc:Fallback>
       </mc:AlternateContent>
-      <mc:AlternateContent xmlns:mc="http://schemas.openxmlformats.org/markup-compatibility/2006">
-        <mc:Choice xmlns:a14="http://schemas.microsoft.com/office/drawing/2010/main" Requires="a14">
+      <mc:AlternateContent xmlns:mc="http://schemas.openxmlformats.org/markup-compatibility/2006" xmlns:a14="http://schemas.microsoft.com/office/drawing/2010/main">
+        <mc:Choice Requires="a14">
           <p:sp>
             <p:nvSpPr>
               <p:cNvPr id="18" name="TextBox 17">
@@ -6124,13 +6463,7 @@
                       <a:rPr lang="de-DE" sz="2800" b="0" i="1" smtClean="0">
                         <a:latin typeface="Cambria Math" panose="02040503050406030204" pitchFamily="18" charset="0"/>
                       </a:rPr>
-                      <m:t>=</m:t>
-                    </m:r>
-                    <m:r>
-                      <a:rPr lang="de-DE" sz="2800" b="0" i="1" smtClean="0">
-                        <a:latin typeface="Cambria Math" panose="02040503050406030204" pitchFamily="18" charset="0"/>
-                      </a:rPr>
-                      <m:t>1.2</m:t>
+                      <m:t>=1.2</m:t>
                     </m:r>
                   </m:oMath>
                 </a14:m>
@@ -6142,7 +6475,7 @@
             </p:txBody>
           </p:sp>
         </mc:Choice>
-        <mc:Fallback>
+        <mc:Fallback xmlns="">
           <p:sp>
             <p:nvSpPr>
               <p:cNvPr id="18" name="TextBox 17">
@@ -6203,8 +6536,8 @@
             </p:nvSpPr>
             <p:spPr>
               <a:xfrm>
-                <a:off x="3675321" y="5924429"/>
-                <a:ext cx="1052623" cy="707886"/>
+                <a:off x="3750828" y="5692157"/>
+                <a:ext cx="837047" cy="707886"/>
               </a:xfrm>
               <a:prstGeom prst="rect">
                 <a:avLst/>
@@ -6274,8 +6607,8 @@
             </p:nvSpPr>
             <p:spPr>
               <a:xfrm>
-                <a:off x="3675321" y="5924429"/>
-                <a:ext cx="1052623" cy="707886"/>
+                <a:off x="3750828" y="5692157"/>
+                <a:ext cx="837047" cy="707886"/>
               </a:xfrm>
               <a:prstGeom prst="rect">
                 <a:avLst/>
@@ -6283,7 +6616,7 @@
               <a:blipFill>
                 <a:blip r:embed="rId6"/>
                 <a:stretch>
-                  <a:fillRect b="-7018"/>
+                  <a:fillRect b="-5263"/>
                 </a:stretch>
               </a:blipFill>
             </p:spPr>
@@ -6318,7 +6651,7 @@
             </p:nvSpPr>
             <p:spPr>
               <a:xfrm>
-                <a:off x="2209800" y="3002576"/>
+                <a:off x="2325761" y="3684643"/>
                 <a:ext cx="1052623" cy="707886"/>
               </a:xfrm>
               <a:prstGeom prst="rect">
@@ -6389,7 +6722,7 @@
             </p:nvSpPr>
             <p:spPr>
               <a:xfrm>
-                <a:off x="2209800" y="3002576"/>
+                <a:off x="2325761" y="3684643"/>
                 <a:ext cx="1052623" cy="707886"/>
               </a:xfrm>
               <a:prstGeom prst="rect">
@@ -6398,7 +6731,7 @@
               <a:blipFill>
                 <a:blip r:embed="rId7"/>
                 <a:stretch>
-                  <a:fillRect b="-7018"/>
+                  <a:fillRect b="-5172"/>
                 </a:stretch>
               </a:blipFill>
             </p:spPr>
@@ -6461,8 +6794,8 @@
           </a:fontRef>
         </p:style>
       </p:cxnSp>
-      <mc:AlternateContent xmlns:mc="http://schemas.openxmlformats.org/markup-compatibility/2006">
-        <mc:Choice xmlns:a14="http://schemas.microsoft.com/office/drawing/2010/main" Requires="a14">
+      <mc:AlternateContent xmlns:mc="http://schemas.openxmlformats.org/markup-compatibility/2006" xmlns:a14="http://schemas.microsoft.com/office/drawing/2010/main">
+        <mc:Choice Requires="a14">
           <p:sp>
             <p:nvSpPr>
               <p:cNvPr id="29" name="TextBox 28">
@@ -6491,6 +6824,7 @@
               </a:bodyPr>
               <a:lstStyle/>
               <a:p>
+                <a:pPr/>
                 <a14:m>
                   <m:oMathPara xmlns:m="http://schemas.openxmlformats.org/officeDocument/2006/math">
                     <m:oMathParaPr>
@@ -6518,7 +6852,7 @@
                       <m:d>
                         <m:dPr>
                           <m:ctrlPr>
-                            <a:rPr lang="de-DE" sz="2800" b="1" smtClean="0">
+                            <a:rPr lang="de-DE" sz="2800" b="1" i="1" smtClean="0">
                               <a:latin typeface="Cambria Math" panose="02040503050406030204" pitchFamily="18" charset="0"/>
                             </a:rPr>
                           </m:ctrlPr>
@@ -6546,7 +6880,7 @@
             </p:txBody>
           </p:sp>
         </mc:Choice>
-        <mc:Fallback>
+        <mc:Fallback xmlns="">
           <p:sp>
             <p:nvSpPr>
               <p:cNvPr id="29" name="TextBox 28">
@@ -6657,7 +6991,7 @@
             <p:spPr>
               <a:xfrm>
                 <a:off x="176120" y="2209000"/>
-                <a:ext cx="3140790" cy="1815882"/>
+                <a:ext cx="3833172" cy="1384995"/>
               </a:xfrm>
               <a:prstGeom prst="rect">
                 <a:avLst/>
@@ -6715,9 +7049,6 @@
                     </m:r>
                   </m:oMath>
                 </a14:m>
-                <a:endParaRPr lang="de-DE" sz="2800" b="0" dirty="0"/>
-              </a:p>
-              <a:p>
                 <a:r>
                   <a:rPr lang="en-GB" sz="2800" dirty="0"/>
                   <a:t> </a:t>
@@ -6753,13 +7084,7 @@
                       <a:rPr lang="de-DE" sz="2800" b="0" i="1" smtClean="0">
                         <a:latin typeface="Cambria Math" panose="02040503050406030204" pitchFamily="18" charset="0"/>
                       </a:rPr>
-                      <m:t>=</m:t>
-                    </m:r>
-                    <m:r>
-                      <a:rPr lang="de-DE" sz="2800" b="0" i="1" smtClean="0">
-                        <a:latin typeface="Cambria Math" panose="02040503050406030204" pitchFamily="18" charset="0"/>
-                      </a:rPr>
-                      <m:t>5.5</m:t>
+                      <m:t>=5.5</m:t>
                     </m:r>
                   </m:oMath>
                 </a14:m>
@@ -6789,7 +7114,7 @@
             <p:spPr>
               <a:xfrm>
                 <a:off x="176120" y="2209000"/>
-                <a:ext cx="3140790" cy="1815882"/>
+                <a:ext cx="3833172" cy="1384995"/>
               </a:xfrm>
               <a:prstGeom prst="rect">
                 <a:avLst/>
@@ -6797,7 +7122,7 @@
               <a:blipFill>
                 <a:blip r:embed="rId9"/>
                 <a:stretch>
-                  <a:fillRect l="-4016" t="-3472"/>
+                  <a:fillRect l="-3300" t="-4505"/>
                 </a:stretch>
               </a:blipFill>
             </p:spPr>
@@ -6814,6 +7139,57 @@
               </a:p>
             </p:txBody>
           </p:sp>
+        </mc:Fallback>
+      </mc:AlternateContent>
+      <mc:AlternateContent xmlns:mc="http://schemas.openxmlformats.org/markup-compatibility/2006">
+        <mc:Choice xmlns:p14="http://schemas.microsoft.com/office/powerpoint/2010/main" Requires="p14">
+          <p:contentPart p14:bwMode="auto" r:id="rId10">
+            <p14:nvContentPartPr>
+              <p14:cNvPr id="3" name="Ink 2">
+                <a:extLst>
+                  <a:ext uri="{FF2B5EF4-FFF2-40B4-BE49-F238E27FC236}">
+                    <a16:creationId xmlns:a16="http://schemas.microsoft.com/office/drawing/2014/main" id="{BC498D14-8749-7ADA-4AD1-CBFA1B37512F}"/>
+                  </a:ext>
+                </a:extLst>
+              </p14:cNvPr>
+              <p14:cNvContentPartPr/>
+              <p14:nvPr/>
+            </p14:nvContentPartPr>
+            <p14:xfrm>
+              <a:off x="288720" y="2604240"/>
+              <a:ext cx="11540880" cy="2108520"/>
+            </p14:xfrm>
+          </p:contentPart>
+        </mc:Choice>
+        <mc:Fallback>
+          <p:pic>
+            <p:nvPicPr>
+              <p:cNvPr id="3" name="Ink 2">
+                <a:extLst>
+                  <a:ext uri="{FF2B5EF4-FFF2-40B4-BE49-F238E27FC236}">
+                    <a16:creationId xmlns:a16="http://schemas.microsoft.com/office/drawing/2014/main" id="{BC498D14-8749-7ADA-4AD1-CBFA1B37512F}"/>
+                  </a:ext>
+                </a:extLst>
+              </p:cNvPr>
+              <p:cNvPicPr/>
+              <p:nvPr/>
+            </p:nvPicPr>
+            <p:blipFill>
+              <a:blip r:embed="rId11"/>
+              <a:stretch>
+                <a:fillRect/>
+              </a:stretch>
+            </p:blipFill>
+            <p:spPr>
+              <a:xfrm>
+                <a:off x="279360" y="2594880"/>
+                <a:ext cx="11559600" cy="2127240"/>
+              </a:xfrm>
+              <a:prstGeom prst="rect">
+                <a:avLst/>
+              </a:prstGeom>
+            </p:spPr>
+          </p:pic>
         </mc:Fallback>
       </mc:AlternateContent>
     </p:spTree>
@@ -6946,7 +7322,7 @@
           <a:p>
             <a:fld id="{4E64511B-704B-1443-B2B8-9748A46B593B}" type="datetime1">
               <a:rPr lang="en-US" smtClean="0"/>
-              <a:t>4/25/23</a:t>
+              <a:t>4/26/23</a:t>
             </a:fld>
             <a:endParaRPr lang="en-US" dirty="0"/>
           </a:p>
@@ -7035,7 +7411,7 @@
           <a:p>
             <a:fld id="{37933D8E-D364-8240-A60C-26399CB68CEB}" type="datetime1">
               <a:rPr lang="en-US" smtClean="0"/>
-              <a:t>4/25/23</a:t>
+              <a:t>4/26/23</a:t>
             </a:fld>
             <a:endParaRPr lang="en-US" dirty="0"/>
           </a:p>
@@ -7241,7 +7617,7 @@
           <a:p>
             <a:fld id="{9924254F-2E71-A64C-BAEB-A9AD62CB187E}" type="datetime1">
               <a:rPr lang="en-US" smtClean="0"/>
-              <a:t>4/25/23</a:t>
+              <a:t>4/26/23</a:t>
             </a:fld>
             <a:endParaRPr lang="en-AT"/>
           </a:p>
@@ -7376,7 +7752,7 @@
           <a:p>
             <a:fld id="{7DA1DB78-FB7F-CB4B-9CCD-02D8BB4168B6}" type="datetime1">
               <a:rPr lang="en-US" smtClean="0"/>
-              <a:t>4/25/23</a:t>
+              <a:t>4/26/23</a:t>
             </a:fld>
             <a:endParaRPr lang="en-US" dirty="0"/>
           </a:p>
@@ -8883,14 +9259,14 @@
           <a:p>
             <a:fld id="{4312EE43-5375-FD47-96B9-6FE67B7828C7}" type="datetime1">
               <a:rPr lang="en-US" smtClean="0"/>
-              <a:t>4/25/23</a:t>
+              <a:t>4/26/23</a:t>
             </a:fld>
             <a:endParaRPr lang="en-US" dirty="0"/>
           </a:p>
         </p:txBody>
       </p:sp>
-      <mc:AlternateContent xmlns:mc="http://schemas.openxmlformats.org/markup-compatibility/2006">
-        <mc:Choice xmlns:a14="http://schemas.microsoft.com/office/drawing/2010/main" Requires="a14">
+      <mc:AlternateContent xmlns:mc="http://schemas.openxmlformats.org/markup-compatibility/2006" xmlns:a14="http://schemas.microsoft.com/office/drawing/2010/main">
+        <mc:Choice Requires="a14">
           <p:sp>
             <p:nvSpPr>
               <p:cNvPr id="10" name="TextBox 9">
@@ -9358,7 +9734,7 @@
             </p:txBody>
           </p:sp>
         </mc:Choice>
-        <mc:Fallback>
+        <mc:Fallback xmlns="">
           <p:sp>
             <p:nvSpPr>
               <p:cNvPr id="10" name="TextBox 9">
@@ -9565,7 +9941,7 @@
           <a:p>
             <a:fld id="{4E624916-9C45-6F4C-9436-3AD258D25C57}" type="datetime1">
               <a:rPr lang="en-US" smtClean="0"/>
-              <a:t>4/25/23</a:t>
+              <a:t>4/26/23</a:t>
             </a:fld>
             <a:endParaRPr lang="en-AT"/>
           </a:p>
@@ -10685,7 +11061,7 @@
           <a:p>
             <a:fld id="{4E624916-9C45-6F4C-9436-3AD258D25C57}" type="datetime1">
               <a:rPr lang="en-US" smtClean="0"/>
-              <a:t>4/25/23</a:t>
+              <a:t>4/26/23</a:t>
             </a:fld>
             <a:endParaRPr lang="en-AT"/>
           </a:p>
@@ -11804,7 +12180,7 @@
           <a:p>
             <a:fld id="{4E624916-9C45-6F4C-9436-3AD258D25C57}" type="datetime1">
               <a:rPr lang="en-US" smtClean="0"/>
-              <a:t>4/25/23</a:t>
+              <a:t>4/26/23</a:t>
             </a:fld>
             <a:endParaRPr lang="en-AT"/>
           </a:p>
@@ -12126,7 +12502,7 @@
           <a:p>
             <a:fld id="{4E624916-9C45-6F4C-9436-3AD258D25C57}" type="datetime1">
               <a:rPr lang="en-US" smtClean="0"/>
-              <a:t>4/25/23</a:t>
+              <a:t>4/26/23</a:t>
             </a:fld>
             <a:endParaRPr lang="en-AT"/>
           </a:p>
